--- a/doc/Presentation.pptx
+++ b/doc/Presentation.pptx
@@ -264,7 +264,7 @@
           <a:p>
             <a:fld id="{5FB206DC-D606-4B8C-AA41-90B1638916CF}" type="datetimeFigureOut">
               <a:rPr lang="zh-CN" altLang="en-US" smtClean="0"/>
-              <a:t>2019/5/30</a:t>
+              <a:t>2019/5/31</a:t>
             </a:fld>
             <a:endParaRPr lang="zh-CN" altLang="en-US"/>
           </a:p>
@@ -462,7 +462,7 @@
           <a:p>
             <a:fld id="{5FB206DC-D606-4B8C-AA41-90B1638916CF}" type="datetimeFigureOut">
               <a:rPr lang="zh-CN" altLang="en-US" smtClean="0"/>
-              <a:t>2019/5/30</a:t>
+              <a:t>2019/5/31</a:t>
             </a:fld>
             <a:endParaRPr lang="zh-CN" altLang="en-US"/>
           </a:p>
@@ -670,7 +670,7 @@
           <a:p>
             <a:fld id="{5FB206DC-D606-4B8C-AA41-90B1638916CF}" type="datetimeFigureOut">
               <a:rPr lang="zh-CN" altLang="en-US" smtClean="0"/>
-              <a:t>2019/5/30</a:t>
+              <a:t>2019/5/31</a:t>
             </a:fld>
             <a:endParaRPr lang="zh-CN" altLang="en-US"/>
           </a:p>
@@ -868,7 +868,7 @@
           <a:p>
             <a:fld id="{5FB206DC-D606-4B8C-AA41-90B1638916CF}" type="datetimeFigureOut">
               <a:rPr lang="zh-CN" altLang="en-US" smtClean="0"/>
-              <a:t>2019/5/30</a:t>
+              <a:t>2019/5/31</a:t>
             </a:fld>
             <a:endParaRPr lang="zh-CN" altLang="en-US"/>
           </a:p>
@@ -1143,7 +1143,7 @@
           <a:p>
             <a:fld id="{5FB206DC-D606-4B8C-AA41-90B1638916CF}" type="datetimeFigureOut">
               <a:rPr lang="zh-CN" altLang="en-US" smtClean="0"/>
-              <a:t>2019/5/30</a:t>
+              <a:t>2019/5/31</a:t>
             </a:fld>
             <a:endParaRPr lang="zh-CN" altLang="en-US"/>
           </a:p>
@@ -1408,7 +1408,7 @@
           <a:p>
             <a:fld id="{5FB206DC-D606-4B8C-AA41-90B1638916CF}" type="datetimeFigureOut">
               <a:rPr lang="zh-CN" altLang="en-US" smtClean="0"/>
-              <a:t>2019/5/30</a:t>
+              <a:t>2019/5/31</a:t>
             </a:fld>
             <a:endParaRPr lang="zh-CN" altLang="en-US"/>
           </a:p>
@@ -1820,7 +1820,7 @@
           <a:p>
             <a:fld id="{5FB206DC-D606-4B8C-AA41-90B1638916CF}" type="datetimeFigureOut">
               <a:rPr lang="zh-CN" altLang="en-US" smtClean="0"/>
-              <a:t>2019/5/30</a:t>
+              <a:t>2019/5/31</a:t>
             </a:fld>
             <a:endParaRPr lang="zh-CN" altLang="en-US"/>
           </a:p>
@@ -1961,7 +1961,7 @@
           <a:p>
             <a:fld id="{5FB206DC-D606-4B8C-AA41-90B1638916CF}" type="datetimeFigureOut">
               <a:rPr lang="zh-CN" altLang="en-US" smtClean="0"/>
-              <a:t>2019/5/30</a:t>
+              <a:t>2019/5/31</a:t>
             </a:fld>
             <a:endParaRPr lang="zh-CN" altLang="en-US"/>
           </a:p>
@@ -2074,7 +2074,7 @@
           <a:p>
             <a:fld id="{5FB206DC-D606-4B8C-AA41-90B1638916CF}" type="datetimeFigureOut">
               <a:rPr lang="zh-CN" altLang="en-US" smtClean="0"/>
-              <a:t>2019/5/30</a:t>
+              <a:t>2019/5/31</a:t>
             </a:fld>
             <a:endParaRPr lang="zh-CN" altLang="en-US"/>
           </a:p>
@@ -2385,7 +2385,7 @@
           <a:p>
             <a:fld id="{5FB206DC-D606-4B8C-AA41-90B1638916CF}" type="datetimeFigureOut">
               <a:rPr lang="zh-CN" altLang="en-US" smtClean="0"/>
-              <a:t>2019/5/30</a:t>
+              <a:t>2019/5/31</a:t>
             </a:fld>
             <a:endParaRPr lang="zh-CN" altLang="en-US"/>
           </a:p>
@@ -2673,7 +2673,7 @@
           <a:p>
             <a:fld id="{5FB206DC-D606-4B8C-AA41-90B1638916CF}" type="datetimeFigureOut">
               <a:rPr lang="zh-CN" altLang="en-US" smtClean="0"/>
-              <a:t>2019/5/30</a:t>
+              <a:t>2019/5/31</a:t>
             </a:fld>
             <a:endParaRPr lang="zh-CN" altLang="en-US"/>
           </a:p>
@@ -2914,7 +2914,7 @@
           <a:p>
             <a:fld id="{5FB206DC-D606-4B8C-AA41-90B1638916CF}" type="datetimeFigureOut">
               <a:rPr lang="zh-CN" altLang="en-US" smtClean="0"/>
-              <a:t>2019/5/30</a:t>
+              <a:t>2019/5/31</a:t>
             </a:fld>
             <a:endParaRPr lang="zh-CN" altLang="en-US"/>
           </a:p>
@@ -3524,9 +3524,10 @@
           <a:p>
             <a:pPr lvl="1"/>
             <a:r>
-              <a:rPr lang="en-US" altLang="zh-CN" dirty="0"/>
-              <a:t>One contains the layers parameters</a:t>
-            </a:r>
+              <a:rPr lang="en-US" altLang="zh-CN" dirty="0" err="1"/>
+              <a:t>Model.json</a:t>
+            </a:r>
+            <a:endParaRPr lang="en-US" altLang="zh-CN" dirty="0"/>
           </a:p>
           <a:p>
             <a:pPr lvl="1"/>
@@ -3534,18 +3535,80 @@
           </a:p>
           <a:p>
             <a:pPr lvl="1"/>
+            <a:r>
+              <a:rPr lang="en-US" altLang="zh-CN" dirty="0" err="1"/>
+              <a:t>Weight.json</a:t>
+            </a:r>
             <a:endParaRPr lang="en-US" altLang="zh-CN" dirty="0"/>
           </a:p>
-          <a:p>
-            <a:pPr lvl="1"/>
-            <a:r>
-              <a:rPr lang="en-US" altLang="zh-CN" dirty="0"/>
-              <a:t>The other contains weights</a:t>
-            </a:r>
-            <a:endParaRPr lang="zh-CN" altLang="en-US" dirty="0"/>
-          </a:p>
-        </p:txBody>
-      </p:sp>
+        </p:txBody>
+      </p:sp>
+      <p:pic>
+        <p:nvPicPr>
+          <p:cNvPr id="4" name="图片 3">
+            <a:extLst>
+              <a:ext uri="{FF2B5EF4-FFF2-40B4-BE49-F238E27FC236}">
+                <a16:creationId xmlns:a16="http://schemas.microsoft.com/office/drawing/2014/main" id="{22EC8E13-6A07-44B7-8C99-21E343E37489}"/>
+              </a:ext>
+            </a:extLst>
+          </p:cNvPr>
+          <p:cNvPicPr>
+            <a:picLocks noChangeAspect="1"/>
+          </p:cNvPicPr>
+          <p:nvPr/>
+        </p:nvPicPr>
+        <p:blipFill>
+          <a:blip r:embed="rId2"/>
+          <a:stretch>
+            <a:fillRect/>
+          </a:stretch>
+        </p:blipFill>
+        <p:spPr>
+          <a:xfrm>
+            <a:off x="9087978" y="1339566"/>
+            <a:ext cx="2768742" cy="5518434"/>
+          </a:xfrm>
+          <a:prstGeom prst="rect">
+            <a:avLst/>
+          </a:prstGeom>
+        </p:spPr>
+      </p:pic>
+      <p:pic>
+        <p:nvPicPr>
+          <p:cNvPr id="6" name="图片 5">
+            <a:extLst>
+              <a:ext uri="{FF2B5EF4-FFF2-40B4-BE49-F238E27FC236}">
+                <a16:creationId xmlns:a16="http://schemas.microsoft.com/office/drawing/2014/main" id="{8F8BCEEE-D1CE-4AF9-B38A-0E8391D88C75}"/>
+              </a:ext>
+            </a:extLst>
+          </p:cNvPr>
+          <p:cNvPicPr>
+            <a:picLocks noChangeAspect="1"/>
+          </p:cNvPicPr>
+          <p:nvPr/>
+        </p:nvPicPr>
+        <p:blipFill>
+          <a:blip r:embed="rId3">
+            <a:extLst>
+              <a:ext uri="{28A0092B-C50C-407E-A947-70E740481C1C}">
+                <a14:useLocalDpi xmlns:a14="http://schemas.microsoft.com/office/drawing/2010/main" val="0"/>
+              </a:ext>
+            </a:extLst>
+          </a:blip>
+          <a:stretch>
+            <a:fillRect/>
+          </a:stretch>
+        </p:blipFill>
+        <p:spPr>
+          <a:xfrm>
+            <a:off x="5505494" y="1339566"/>
+            <a:ext cx="2879734" cy="5518434"/>
+          </a:xfrm>
+          <a:prstGeom prst="rect">
+            <a:avLst/>
+          </a:prstGeom>
+        </p:spPr>
+      </p:pic>
     </p:spTree>
     <p:extLst>
       <p:ext uri="{BB962C8B-B14F-4D97-AF65-F5344CB8AC3E}">
